--- a/docs/diagrams/SortedListSequenceDiagramCommandAdd.pptx
+++ b/docs/diagrams/SortedListSequenceDiagramCommandAdd.pptx
@@ -208,7 +208,7 @@
           <a:p>
             <a:fld id="{F5CC4B3F-88C1-4FFA-B1B6-F41C21DC6924}" type="datetimeFigureOut">
               <a:rPr lang="en-US" smtClean="0"/>
-              <a:t>10/16/18</a:t>
+              <a:t>11/7/18</a:t>
             </a:fld>
             <a:endParaRPr lang="en-US"/>
           </a:p>
@@ -738,7 +738,7 @@
           <a:p>
             <a:fld id="{78C97017-6FC3-485B-9764-EAC9E56C1D49}" type="datetimeFigureOut">
               <a:rPr lang="en-US" smtClean="0"/>
-              <a:t>10/16/18</a:t>
+              <a:t>11/7/18</a:t>
             </a:fld>
             <a:endParaRPr lang="en-US"/>
           </a:p>
@@ -906,7 +906,7 @@
           <a:p>
             <a:fld id="{78C97017-6FC3-485B-9764-EAC9E56C1D49}" type="datetimeFigureOut">
               <a:rPr lang="en-US" smtClean="0"/>
-              <a:t>10/16/18</a:t>
+              <a:t>11/7/18</a:t>
             </a:fld>
             <a:endParaRPr lang="en-US"/>
           </a:p>
@@ -1084,7 +1084,7 @@
           <a:p>
             <a:fld id="{78C97017-6FC3-485B-9764-EAC9E56C1D49}" type="datetimeFigureOut">
               <a:rPr lang="en-US" smtClean="0"/>
-              <a:t>10/16/18</a:t>
+              <a:t>11/7/18</a:t>
             </a:fld>
             <a:endParaRPr lang="en-US"/>
           </a:p>
@@ -1252,7 +1252,7 @@
           <a:p>
             <a:fld id="{78C97017-6FC3-485B-9764-EAC9E56C1D49}" type="datetimeFigureOut">
               <a:rPr lang="en-US" smtClean="0"/>
-              <a:t>10/16/18</a:t>
+              <a:t>11/7/18</a:t>
             </a:fld>
             <a:endParaRPr lang="en-US"/>
           </a:p>
@@ -1497,7 +1497,7 @@
           <a:p>
             <a:fld id="{78C97017-6FC3-485B-9764-EAC9E56C1D49}" type="datetimeFigureOut">
               <a:rPr lang="en-US" smtClean="0"/>
-              <a:t>10/16/18</a:t>
+              <a:t>11/7/18</a:t>
             </a:fld>
             <a:endParaRPr lang="en-US"/>
           </a:p>
@@ -1782,7 +1782,7 @@
           <a:p>
             <a:fld id="{78C97017-6FC3-485B-9764-EAC9E56C1D49}" type="datetimeFigureOut">
               <a:rPr lang="en-US" smtClean="0"/>
-              <a:t>10/16/18</a:t>
+              <a:t>11/7/18</a:t>
             </a:fld>
             <a:endParaRPr lang="en-US"/>
           </a:p>
@@ -2201,7 +2201,7 @@
           <a:p>
             <a:fld id="{78C97017-6FC3-485B-9764-EAC9E56C1D49}" type="datetimeFigureOut">
               <a:rPr lang="en-US" smtClean="0"/>
-              <a:t>10/16/18</a:t>
+              <a:t>11/7/18</a:t>
             </a:fld>
             <a:endParaRPr lang="en-US"/>
           </a:p>
@@ -2318,7 +2318,7 @@
           <a:p>
             <a:fld id="{78C97017-6FC3-485B-9764-EAC9E56C1D49}" type="datetimeFigureOut">
               <a:rPr lang="en-US" smtClean="0"/>
-              <a:t>10/16/18</a:t>
+              <a:t>11/7/18</a:t>
             </a:fld>
             <a:endParaRPr lang="en-US"/>
           </a:p>
@@ -2413,7 +2413,7 @@
           <a:p>
             <a:fld id="{78C97017-6FC3-485B-9764-EAC9E56C1D49}" type="datetimeFigureOut">
               <a:rPr lang="en-US" smtClean="0"/>
-              <a:t>10/16/18</a:t>
+              <a:t>11/7/18</a:t>
             </a:fld>
             <a:endParaRPr lang="en-US"/>
           </a:p>
@@ -2688,7 +2688,7 @@
           <a:p>
             <a:fld id="{78C97017-6FC3-485B-9764-EAC9E56C1D49}" type="datetimeFigureOut">
               <a:rPr lang="en-US" smtClean="0"/>
-              <a:t>10/16/18</a:t>
+              <a:t>11/7/18</a:t>
             </a:fld>
             <a:endParaRPr lang="en-US"/>
           </a:p>
@@ -2940,7 +2940,7 @@
           <a:p>
             <a:fld id="{78C97017-6FC3-485B-9764-EAC9E56C1D49}" type="datetimeFigureOut">
               <a:rPr lang="en-US" smtClean="0"/>
-              <a:t>10/16/18</a:t>
+              <a:t>11/7/18</a:t>
             </a:fld>
             <a:endParaRPr lang="en-US"/>
           </a:p>
@@ -3151,7 +3151,7 @@
           <a:p>
             <a:fld id="{78C97017-6FC3-485B-9764-EAC9E56C1D49}" type="datetimeFigureOut">
               <a:rPr lang="en-US" smtClean="0"/>
-              <a:t>10/16/18</a:t>
+              <a:t>11/7/18</a:t>
             </a:fld>
             <a:endParaRPr lang="en-US"/>
           </a:p>
@@ -6481,7 +6481,7 @@
         </p:nvSpPr>
         <p:spPr>
           <a:xfrm>
-            <a:off x="7521267" y="4623386"/>
+            <a:off x="7527409" y="4441194"/>
             <a:ext cx="1590536" cy="130805"/>
           </a:xfrm>
           <a:prstGeom prst="rect">

--- a/docs/diagrams/SortedListSequenceDiagramCommandAdd.pptx
+++ b/docs/diagrams/SortedListSequenceDiagramCommandAdd.pptx
@@ -208,7 +208,7 @@
           <a:p>
             <a:fld id="{F5CC4B3F-88C1-4FFA-B1B6-F41C21DC6924}" type="datetimeFigureOut">
               <a:rPr lang="en-US" smtClean="0"/>
-              <a:t>11/7/18</a:t>
+              <a:t>11/8/18</a:t>
             </a:fld>
             <a:endParaRPr lang="en-US"/>
           </a:p>
@@ -738,7 +738,7 @@
           <a:p>
             <a:fld id="{78C97017-6FC3-485B-9764-EAC9E56C1D49}" type="datetimeFigureOut">
               <a:rPr lang="en-US" smtClean="0"/>
-              <a:t>11/7/18</a:t>
+              <a:t>11/8/18</a:t>
             </a:fld>
             <a:endParaRPr lang="en-US"/>
           </a:p>
@@ -906,7 +906,7 @@
           <a:p>
             <a:fld id="{78C97017-6FC3-485B-9764-EAC9E56C1D49}" type="datetimeFigureOut">
               <a:rPr lang="en-US" smtClean="0"/>
-              <a:t>11/7/18</a:t>
+              <a:t>11/8/18</a:t>
             </a:fld>
             <a:endParaRPr lang="en-US"/>
           </a:p>
@@ -1084,7 +1084,7 @@
           <a:p>
             <a:fld id="{78C97017-6FC3-485B-9764-EAC9E56C1D49}" type="datetimeFigureOut">
               <a:rPr lang="en-US" smtClean="0"/>
-              <a:t>11/7/18</a:t>
+              <a:t>11/8/18</a:t>
             </a:fld>
             <a:endParaRPr lang="en-US"/>
           </a:p>
@@ -1252,7 +1252,7 @@
           <a:p>
             <a:fld id="{78C97017-6FC3-485B-9764-EAC9E56C1D49}" type="datetimeFigureOut">
               <a:rPr lang="en-US" smtClean="0"/>
-              <a:t>11/7/18</a:t>
+              <a:t>11/8/18</a:t>
             </a:fld>
             <a:endParaRPr lang="en-US"/>
           </a:p>
@@ -1497,7 +1497,7 @@
           <a:p>
             <a:fld id="{78C97017-6FC3-485B-9764-EAC9E56C1D49}" type="datetimeFigureOut">
               <a:rPr lang="en-US" smtClean="0"/>
-              <a:t>11/7/18</a:t>
+              <a:t>11/8/18</a:t>
             </a:fld>
             <a:endParaRPr lang="en-US"/>
           </a:p>
@@ -1782,7 +1782,7 @@
           <a:p>
             <a:fld id="{78C97017-6FC3-485B-9764-EAC9E56C1D49}" type="datetimeFigureOut">
               <a:rPr lang="en-US" smtClean="0"/>
-              <a:t>11/7/18</a:t>
+              <a:t>11/8/18</a:t>
             </a:fld>
             <a:endParaRPr lang="en-US"/>
           </a:p>
@@ -2201,7 +2201,7 @@
           <a:p>
             <a:fld id="{78C97017-6FC3-485B-9764-EAC9E56C1D49}" type="datetimeFigureOut">
               <a:rPr lang="en-US" smtClean="0"/>
-              <a:t>11/7/18</a:t>
+              <a:t>11/8/18</a:t>
             </a:fld>
             <a:endParaRPr lang="en-US"/>
           </a:p>
@@ -2318,7 +2318,7 @@
           <a:p>
             <a:fld id="{78C97017-6FC3-485B-9764-EAC9E56C1D49}" type="datetimeFigureOut">
               <a:rPr lang="en-US" smtClean="0"/>
-              <a:t>11/7/18</a:t>
+              <a:t>11/8/18</a:t>
             </a:fld>
             <a:endParaRPr lang="en-US"/>
           </a:p>
@@ -2413,7 +2413,7 @@
           <a:p>
             <a:fld id="{78C97017-6FC3-485B-9764-EAC9E56C1D49}" type="datetimeFigureOut">
               <a:rPr lang="en-US" smtClean="0"/>
-              <a:t>11/7/18</a:t>
+              <a:t>11/8/18</a:t>
             </a:fld>
             <a:endParaRPr lang="en-US"/>
           </a:p>
@@ -2688,7 +2688,7 @@
           <a:p>
             <a:fld id="{78C97017-6FC3-485B-9764-EAC9E56C1D49}" type="datetimeFigureOut">
               <a:rPr lang="en-US" smtClean="0"/>
-              <a:t>11/7/18</a:t>
+              <a:t>11/8/18</a:t>
             </a:fld>
             <a:endParaRPr lang="en-US"/>
           </a:p>
@@ -2940,7 +2940,7 @@
           <a:p>
             <a:fld id="{78C97017-6FC3-485B-9764-EAC9E56C1D49}" type="datetimeFigureOut">
               <a:rPr lang="en-US" smtClean="0"/>
-              <a:t>11/7/18</a:t>
+              <a:t>11/8/18</a:t>
             </a:fld>
             <a:endParaRPr lang="en-US"/>
           </a:p>
@@ -3151,7 +3151,7 @@
           <a:p>
             <a:fld id="{78C97017-6FC3-485B-9764-EAC9E56C1D49}" type="datetimeFigureOut">
               <a:rPr lang="en-US" smtClean="0"/>
-              <a:t>11/7/18</a:t>
+              <a:t>11/8/18</a:t>
             </a:fld>
             <a:endParaRPr lang="en-US"/>
           </a:p>
@@ -6118,7 +6118,7 @@
         </p:nvSpPr>
         <p:spPr>
           <a:xfrm>
-            <a:off x="11191011" y="3915269"/>
+            <a:off x="11165724" y="3822936"/>
             <a:ext cx="1354194" cy="184666"/>
           </a:xfrm>
           <a:prstGeom prst="rect">
